--- a/engineering/2017/materials/ppt/gulp.pptx
+++ b/engineering/2017/materials/ppt/gulp.pptx
@@ -8704,7 +8704,7 @@
             <a:fld id="{97373330-0875-4F54-B846-34A9C5D83194}" type="datetimeFigureOut">
               <a:rPr lang="en-US" smtClean="0"/>
               <a:pPr/>
-              <a:t>08-01-2017</a:t>
+              <a:t>2017-08-28</a:t>
             </a:fld>
             <a:endParaRPr lang="en-US"/>
           </a:p>
@@ -9356,7 +9356,7 @@
         <p:spPr/>
         <p:txBody>
           <a:bodyPr>
-            <a:normAutofit lnSpcReduction="10000"/>
+            <a:normAutofit fontScale="92500" lnSpcReduction="20000"/>
           </a:bodyPr>
           <a:lstStyle/>
           <a:p>
@@ -10506,7 +10506,7 @@
         <p:spPr/>
         <p:txBody>
           <a:bodyPr>
-            <a:normAutofit fontScale="92500" lnSpcReduction="20000"/>
+            <a:normAutofit/>
           </a:bodyPr>
           <a:lstStyle/>
           <a:p>
@@ -17447,7 +17447,10 @@
           <a:bodyPr/>
           <a:lstStyle/>
           <a:p>
-            <a:endParaRPr lang="en-US" dirty="0"/>
+            <a:r>
+              <a:rPr lang="en-US" dirty="0"/>
+              <a:t>Jason Cui</a:t>
+            </a:r>
           </a:p>
         </p:txBody>
       </p:sp>
@@ -17461,12 +17464,20 @@
             <p:ph type="body" sz="quarter" idx="13"/>
           </p:nvPr>
         </p:nvSpPr>
-        <p:spPr/>
+        <p:spPr>
+          <a:xfrm>
+            <a:off x="0" y="6400803"/>
+            <a:ext cx="11988800" cy="307777"/>
+          </a:xfrm>
+        </p:spPr>
         <p:txBody>
           <a:bodyPr/>
           <a:lstStyle/>
           <a:p>
-            <a:endParaRPr lang="en-US" dirty="0"/>
+            <a:r>
+              <a:rPr lang="en-US" dirty="0"/>
+              <a:t>2017.08.31</a:t>
+            </a:r>
           </a:p>
         </p:txBody>
       </p:sp>
@@ -17771,9 +17782,6 @@
               </a:rPr>
               <a:t> install gulp -g</a:t>
             </a:r>
-            <a:endParaRPr lang="en-US" dirty="0">
-              <a:latin typeface="Calibri Light" panose="020F0302020204030204" pitchFamily="34" charset="0"/>
-            </a:endParaRPr>
           </a:p>
           <a:p>
             <a:pPr marL="457200" indent="-457200">
@@ -18685,9 +18693,6 @@
               </a:rPr>
               <a:t>])</a:t>
             </a:r>
-            <a:endParaRPr lang="en-US" sz="3600" dirty="0">
-              <a:latin typeface="Calibri Light" panose="020F0302020204030204" pitchFamily="34" charset="0"/>
-            </a:endParaRPr>
           </a:p>
           <a:p>
             <a:r>
@@ -20237,9 +20242,6 @@
               </a:rPr>
               <a:t>Define Single Async Tasks.(done)</a:t>
             </a:r>
-            <a:endParaRPr lang="en-US" dirty="0">
-              <a:latin typeface="Calibri Light" panose="020F0302020204030204" pitchFamily="34" charset="0"/>
-            </a:endParaRPr>
           </a:p>
           <a:p>
             <a:r>
@@ -22227,9 +22229,6 @@
               </a:rPr>
               <a:t>Gulp popular plugins</a:t>
             </a:r>
-            <a:endParaRPr lang="en-US" dirty="0">
-              <a:latin typeface="Calibri Light" panose="020F0302020204030204" pitchFamily="34" charset="0"/>
-            </a:endParaRPr>
           </a:p>
         </p:txBody>
       </p:sp>
@@ -22452,9 +22451,6 @@
               </a:rPr>
               <a:t>Gulp plugin selection guide</a:t>
             </a:r>
-            <a:endParaRPr lang="en-US" dirty="0">
-              <a:latin typeface="Calibri Light" panose="020F0302020204030204" pitchFamily="34" charset="0"/>
-            </a:endParaRPr>
           </a:p>
         </p:txBody>
       </p:sp>
@@ -23701,21 +23697,13 @@
           <a:p>
             <a:r>
               <a:rPr lang="en-US" dirty="0"/>
-              <a:t>- </a:t>
-            </a:r>
+              <a:t>- Efficient Builds</a:t>
+            </a:r>
+          </a:p>
+          <a:p>
             <a:r>
               <a:rPr lang="en-US" dirty="0"/>
-              <a:t>Efficient Builds</a:t>
-            </a:r>
-          </a:p>
-          <a:p>
-            <a:r>
-              <a:rPr lang="en-US" dirty="0"/>
-              <a:t>- </a:t>
-            </a:r>
-            <a:r>
-              <a:rPr lang="en-US" dirty="0"/>
-              <a:t>Quality Ecosystem</a:t>
+              <a:t>- Quality Ecosystem</a:t>
             </a:r>
           </a:p>
         </p:txBody>
@@ -24067,15 +24055,7 @@
                       </a:pPr>
                       <a:r>
                         <a:rPr lang="zh-CN" altLang="en-US" dirty="0"/>
-                        <a:t>☆</a:t>
-                      </a:r>
-                      <a:r>
-                        <a:rPr lang="zh-CN" altLang="en-US" dirty="0"/>
-                        <a:t>☆</a:t>
-                      </a:r>
-                      <a:r>
-                        <a:rPr lang="zh-CN" altLang="en-US" dirty="0"/>
-                        <a:t>☆☆</a:t>
+                        <a:t>☆☆☆☆</a:t>
                       </a:r>
                       <a:endParaRPr lang="en-US" dirty="0"/>
                     </a:p>
@@ -24131,11 +24111,7 @@
                       </a:r>
                       <a:r>
                         <a:rPr lang="en-US" baseline="0" dirty="0"/>
-                        <a:t> </a:t>
-                      </a:r>
-                      <a:r>
-                        <a:rPr lang="en-US" baseline="0" dirty="0"/>
-                        <a:t>customized</a:t>
+                        <a:t> customized</a:t>
                       </a:r>
                       <a:endParaRPr lang="en-US" dirty="0"/>
                     </a:p>
@@ -24426,7 +24402,6 @@
                         <a:rPr lang="en-US" dirty="0"/>
                         <a:t>Popularity</a:t>
                       </a:r>
-                      <a:endParaRPr lang="en-US" dirty="0"/>
                     </a:p>
                   </a:txBody>
                   <a:tcPr anchor="ctr"/>
@@ -26441,18 +26416,18 @@
 </file>
 
 <file path=customXml/item1.xml><?xml version="1.0" encoding="utf-8"?>
+<p:properties xmlns:p="http://schemas.microsoft.com/office/2006/metadata/properties" xmlns:xsi="http://www.w3.org/2001/XMLSchema-instance">
+  <documentManagement/>
+</p:properties>
+</file>
+
+<file path=customXml/item2.xml><?xml version="1.0" encoding="utf-8"?>
 <?mso-contentType ?>
 <FormTemplates xmlns="http://schemas.microsoft.com/sharepoint/v3/contenttype/forms">
   <Display>DocumentLibraryForm</Display>
   <Edit>DocumentLibraryForm</Edit>
   <New>DocumentLibraryForm</New>
 </FormTemplates>
-</file>
-
-<file path=customXml/item2.xml><?xml version="1.0" encoding="utf-8"?>
-<p:properties xmlns:p="http://schemas.microsoft.com/office/2006/metadata/properties" xmlns:xsi="http://www.w3.org/2001/XMLSchema-instance">
-  <documentManagement/>
-</p:properties>
 </file>
 
 <file path=customXml/item3.xml><?xml version="1.0" encoding="utf-8"?>
@@ -26505,14 +26480,6 @@
 </file>
 
 <file path=customXml/itemProps1.xml><?xml version="1.0" encoding="utf-8"?>
-<ds:datastoreItem xmlns:ds="http://schemas.openxmlformats.org/officeDocument/2006/customXml" ds:itemID="{AF2462E9-E3C6-4B9B-800D-1AA92DB6FEE6}">
-  <ds:schemaRefs>
-    <ds:schemaRef ds:uri="http://schemas.microsoft.com/sharepoint/v3/contenttype/forms"/>
-  </ds:schemaRefs>
-</ds:datastoreItem>
-</file>
-
-<file path=customXml/itemProps2.xml><?xml version="1.0" encoding="utf-8"?>
 <ds:datastoreItem xmlns:ds="http://schemas.openxmlformats.org/officeDocument/2006/customXml" ds:itemID="{BC974159-165D-43A7-BAC0-2BE7E1872CAD}">
   <ds:schemaRefs>
     <ds:schemaRef ds:uri="http://schemas.openxmlformats.org/package/2006/metadata/core-properties"/>
@@ -26522,6 +26489,14 @@
     <ds:schemaRef ds:uri="http://purl.org/dc/elements/1.1/"/>
     <ds:schemaRef ds:uri="http://schemas.microsoft.com/office/2006/documentManagement/types"/>
     <ds:schemaRef ds:uri="http://purl.org/dc/dcmitype/"/>
+  </ds:schemaRefs>
+</ds:datastoreItem>
+</file>
+
+<file path=customXml/itemProps2.xml><?xml version="1.0" encoding="utf-8"?>
+<ds:datastoreItem xmlns:ds="http://schemas.openxmlformats.org/officeDocument/2006/customXml" ds:itemID="{AF2462E9-E3C6-4B9B-800D-1AA92DB6FEE6}">
+  <ds:schemaRefs>
+    <ds:schemaRef ds:uri="http://schemas.microsoft.com/sharepoint/v3/contenttype/forms"/>
   </ds:schemaRefs>
 </ds:datastoreItem>
 </file>
